--- a/Lecture/Data Import/Data_Import_Lecture.pptx
+++ b/Lecture/Data Import/Data_Import_Lecture.pptx
@@ -312,7 +312,7 @@
               <a:pPr>
                 <a:defRPr/>
               </a:pPr>
-              <a:t>9/20/2018</a:t>
+              <a:t>6/27/2022</a:t>
             </a:fld>
             <a:endParaRPr lang="en-US" dirty="0"/>
           </a:p>
@@ -524,7 +524,7 @@
               <a:pPr>
                 <a:defRPr/>
               </a:pPr>
-              <a:t>9/20/2018</a:t>
+              <a:t>6/27/2022</a:t>
             </a:fld>
             <a:endParaRPr lang="en-US" dirty="0"/>
           </a:p>
@@ -1043,7 +1043,7 @@
               <a:pPr>
                 <a:defRPr/>
               </a:pPr>
-              <a:t>9/20/2018</a:t>
+              <a:t>6/27/2022</a:t>
             </a:fld>
             <a:endParaRPr lang="en-US" dirty="0"/>
           </a:p>
@@ -1233,7 +1233,7 @@
               <a:pPr>
                 <a:defRPr/>
               </a:pPr>
-              <a:t>9/20/2018</a:t>
+              <a:t>6/27/2022</a:t>
             </a:fld>
             <a:endParaRPr lang="en-US" dirty="0"/>
           </a:p>
@@ -1433,7 +1433,7 @@
               <a:pPr>
                 <a:defRPr/>
               </a:pPr>
-              <a:t>9/20/2018</a:t>
+              <a:t>6/27/2022</a:t>
             </a:fld>
             <a:endParaRPr lang="en-US" dirty="0"/>
           </a:p>
@@ -1701,7 +1701,7 @@
               <a:pPr>
                 <a:defRPr/>
               </a:pPr>
-              <a:t>9/20/2018</a:t>
+              <a:t>6/27/2022</a:t>
             </a:fld>
             <a:endParaRPr lang="en-US" dirty="0">
               <a:solidFill>
@@ -1915,7 +1915,7 @@
               <a:pPr>
                 <a:defRPr/>
               </a:pPr>
-              <a:t>9/20/2018</a:t>
+              <a:t>6/27/2022</a:t>
             </a:fld>
             <a:endParaRPr lang="en-US" dirty="0">
               <a:solidFill>
@@ -2206,7 +2206,7 @@
               <a:pPr>
                 <a:defRPr/>
               </a:pPr>
-              <a:t>9/20/2018</a:t>
+              <a:t>6/27/2022</a:t>
             </a:fld>
             <a:endParaRPr lang="en-US" dirty="0">
               <a:solidFill>
@@ -2537,7 +2537,7 @@
               <a:pPr>
                 <a:defRPr/>
               </a:pPr>
-              <a:t>9/20/2018</a:t>
+              <a:t>6/27/2022</a:t>
             </a:fld>
             <a:endParaRPr lang="en-US" dirty="0">
               <a:solidFill>
@@ -3002,7 +3002,7 @@
               <a:pPr>
                 <a:defRPr/>
               </a:pPr>
-              <a:t>9/20/2018</a:t>
+              <a:t>6/27/2022</a:t>
             </a:fld>
             <a:endParaRPr lang="en-US" dirty="0">
               <a:solidFill>
@@ -3165,7 +3165,7 @@
               <a:pPr>
                 <a:defRPr/>
               </a:pPr>
-              <a:t>9/20/2018</a:t>
+              <a:t>6/27/2022</a:t>
             </a:fld>
             <a:endParaRPr lang="en-US" dirty="0">
               <a:solidFill>
@@ -3306,7 +3306,7 @@
               <a:pPr>
                 <a:defRPr/>
               </a:pPr>
-              <a:t>9/20/2018</a:t>
+              <a:t>6/27/2022</a:t>
             </a:fld>
             <a:endParaRPr lang="en-US" dirty="0">
               <a:solidFill>
@@ -3627,7 +3627,7 @@
               <a:pPr>
                 <a:defRPr/>
               </a:pPr>
-              <a:t>9/20/2018</a:t>
+              <a:t>6/27/2022</a:t>
             </a:fld>
             <a:endParaRPr lang="en-US" dirty="0">
               <a:solidFill>
@@ -3835,7 +3835,7 @@
               <a:pPr>
                 <a:defRPr/>
               </a:pPr>
-              <a:t>9/20/2018</a:t>
+              <a:t>6/27/2022</a:t>
             </a:fld>
             <a:endParaRPr lang="en-US" dirty="0"/>
           </a:p>
@@ -4118,7 +4118,7 @@
               <a:pPr>
                 <a:defRPr/>
               </a:pPr>
-              <a:t>9/20/2018</a:t>
+              <a:t>6/27/2022</a:t>
             </a:fld>
             <a:endParaRPr lang="en-US" dirty="0">
               <a:solidFill>
@@ -4332,7 +4332,7 @@
               <a:pPr>
                 <a:defRPr/>
               </a:pPr>
-              <a:t>9/20/2018</a:t>
+              <a:t>6/27/2022</a:t>
             </a:fld>
             <a:endParaRPr lang="en-US" dirty="0">
               <a:solidFill>
@@ -4556,7 +4556,7 @@
               <a:pPr>
                 <a:defRPr/>
               </a:pPr>
-              <a:t>9/20/2018</a:t>
+              <a:t>6/27/2022</a:t>
             </a:fld>
             <a:endParaRPr lang="en-US" dirty="0">
               <a:solidFill>
@@ -4766,7 +4766,7 @@
               <a:pPr>
                 <a:defRPr/>
               </a:pPr>
-              <a:t>9/20/2018</a:t>
+              <a:t>6/27/2022</a:t>
             </a:fld>
             <a:endParaRPr lang="en-US" dirty="0">
               <a:solidFill>
@@ -5043,7 +5043,7 @@
               <a:pPr>
                 <a:defRPr/>
               </a:pPr>
-              <a:t>9/20/2018</a:t>
+              <a:t>6/27/2022</a:t>
             </a:fld>
             <a:endParaRPr lang="en-US" dirty="0"/>
           </a:p>
@@ -5350,7 +5350,7 @@
               <a:pPr>
                 <a:defRPr/>
               </a:pPr>
-              <a:t>9/20/2018</a:t>
+              <a:t>6/27/2022</a:t>
             </a:fld>
             <a:endParaRPr lang="en-US" dirty="0"/>
           </a:p>
@@ -5791,7 +5791,7 @@
               <a:pPr>
                 <a:defRPr/>
               </a:pPr>
-              <a:t>9/20/2018</a:t>
+              <a:t>6/27/2022</a:t>
             </a:fld>
             <a:endParaRPr lang="en-US" dirty="0"/>
           </a:p>
@@ -5930,7 +5930,7 @@
               <a:pPr>
                 <a:defRPr/>
               </a:pPr>
-              <a:t>9/20/2018</a:t>
+              <a:t>6/27/2022</a:t>
             </a:fld>
             <a:endParaRPr lang="en-US" dirty="0"/>
           </a:p>
@@ -6047,7 +6047,7 @@
               <a:pPr>
                 <a:defRPr/>
               </a:pPr>
-              <a:t>9/20/2018</a:t>
+              <a:t>6/27/2022</a:t>
             </a:fld>
             <a:endParaRPr lang="en-US" dirty="0"/>
           </a:p>
@@ -6344,7 +6344,7 @@
               <a:pPr>
                 <a:defRPr/>
               </a:pPr>
-              <a:t>9/20/2018</a:t>
+              <a:t>6/27/2022</a:t>
             </a:fld>
             <a:endParaRPr lang="en-US" dirty="0"/>
           </a:p>
@@ -6621,7 +6621,7 @@
               <a:pPr>
                 <a:defRPr/>
               </a:pPr>
-              <a:t>9/20/2018</a:t>
+              <a:t>6/27/2022</a:t>
             </a:fld>
             <a:endParaRPr lang="en-US" dirty="0"/>
           </a:p>
@@ -6878,7 +6878,7 @@
               <a:pPr>
                 <a:defRPr/>
               </a:pPr>
-              <a:t>9/20/2018</a:t>
+              <a:t>6/27/2022</a:t>
             </a:fld>
             <a:endParaRPr lang="en-US" dirty="0"/>
           </a:p>
@@ -7588,7 +7588,7 @@
               <a:pPr>
                 <a:defRPr/>
               </a:pPr>
-              <a:t>9/20/2018</a:t>
+              <a:t>6/27/2022</a:t>
             </a:fld>
             <a:endParaRPr lang="en-US" dirty="0">
               <a:solidFill>
@@ -15745,7 +15745,7 @@
         <p:spPr>
           <a:xfrm>
             <a:off x="3962400" y="643467"/>
-            <a:ext cx="5091038" cy="2308324"/>
+            <a:ext cx="5091038" cy="1938992"/>
           </a:xfrm>
           <a:prstGeom prst="rect">
             <a:avLst/>
@@ -15810,18 +15810,7 @@
                   <a:srgbClr val="404040"/>
                 </a:solidFill>
               </a:rPr>
-              <a:t>You Tibble When</a:t>
-            </a:r>
-          </a:p>
-          <a:p>
-            <a:pPr lvl="1"/>
-            <a:r>
-              <a:rPr lang="en-US" dirty="0">
-                <a:solidFill>
-                  <a:srgbClr val="404040"/>
-                </a:solidFill>
-              </a:rPr>
-              <a:t>    You Tribble</a:t>
+              <a:t>Same Thing</a:t>
             </a:r>
           </a:p>
           <a:p>
@@ -15850,10 +15839,10 @@
       </p:sp>
       <p:pic>
         <p:nvPicPr>
-          <p:cNvPr id="3" name="Picture 2">
+          <p:cNvPr id="5" name="Picture 4">
             <a:extLst>
               <a:ext uri="{FF2B5EF4-FFF2-40B4-BE49-F238E27FC236}">
-                <a16:creationId xmlns:a16="http://schemas.microsoft.com/office/drawing/2014/main" id="{F3E7BB4A-D3AF-469B-A97E-13AEF2B30DC2}"/>
+                <a16:creationId xmlns:a16="http://schemas.microsoft.com/office/drawing/2014/main" id="{D43D7525-8632-4D34-93A1-0FF6E3737E5D}"/>
               </a:ext>
             </a:extLst>
           </p:cNvPr>
@@ -15870,57 +15859,8 @@
         </p:blipFill>
         <p:spPr>
           <a:xfrm>
-            <a:off x="7446269" y="524934"/>
-            <a:ext cx="1566661" cy="2329607"/>
-          </a:xfrm>
-          <a:prstGeom prst="rect">
-            <a:avLst/>
-          </a:prstGeom>
-          <a:ln>
-            <a:solidFill>
-              <a:srgbClr val="404040"/>
-            </a:solidFill>
-          </a:ln>
-        </p:spPr>
-        <p:style>
-          <a:lnRef idx="2">
-            <a:schemeClr val="dk1"/>
-          </a:lnRef>
-          <a:fillRef idx="1">
-            <a:schemeClr val="lt1"/>
-          </a:fillRef>
-          <a:effectRef idx="0">
-            <a:schemeClr val="dk1"/>
-          </a:effectRef>
-          <a:fontRef idx="minor">
-            <a:schemeClr val="dk1"/>
-          </a:fontRef>
-        </p:style>
-      </p:pic>
-      <p:pic>
-        <p:nvPicPr>
-          <p:cNvPr id="5" name="Picture 4">
-            <a:extLst>
-              <a:ext uri="{FF2B5EF4-FFF2-40B4-BE49-F238E27FC236}">
-                <a16:creationId xmlns:a16="http://schemas.microsoft.com/office/drawing/2014/main" id="{D43D7525-8632-4D34-93A1-0FF6E3737E5D}"/>
-              </a:ext>
-            </a:extLst>
-          </p:cNvPr>
-          <p:cNvPicPr>
-            <a:picLocks noChangeAspect="1"/>
-          </p:cNvPicPr>
-          <p:nvPr/>
-        </p:nvPicPr>
-        <p:blipFill>
-          <a:blip r:embed="rId5"/>
-          <a:stretch>
-            <a:fillRect/>
-          </a:stretch>
-        </p:blipFill>
-        <p:spPr>
-          <a:xfrm>
-            <a:off x="4112725" y="3070323"/>
-            <a:ext cx="2135675" cy="3710466"/>
+            <a:off x="4112725" y="2673159"/>
+            <a:ext cx="2364275" cy="4107630"/>
           </a:xfrm>
           <a:prstGeom prst="rect">
             <a:avLst/>
@@ -15961,6 +15901,55 @@
           <p:nvPr/>
         </p:nvPicPr>
         <p:blipFill>
+          <a:blip r:embed="rId5"/>
+          <a:stretch>
+            <a:fillRect/>
+          </a:stretch>
+        </p:blipFill>
+        <p:spPr>
+          <a:xfrm>
+            <a:off x="6868952" y="2910649"/>
+            <a:ext cx="1822860" cy="3870140"/>
+          </a:xfrm>
+          <a:prstGeom prst="rect">
+            <a:avLst/>
+          </a:prstGeom>
+          <a:ln>
+            <a:solidFill>
+              <a:srgbClr val="404040"/>
+            </a:solidFill>
+          </a:ln>
+        </p:spPr>
+        <p:style>
+          <a:lnRef idx="2">
+            <a:schemeClr val="dk1"/>
+          </a:lnRef>
+          <a:fillRef idx="1">
+            <a:schemeClr val="lt1"/>
+          </a:fillRef>
+          <a:effectRef idx="0">
+            <a:schemeClr val="dk1"/>
+          </a:effectRef>
+          <a:fontRef idx="minor">
+            <a:schemeClr val="dk1"/>
+          </a:fontRef>
+        </p:style>
+      </p:pic>
+      <p:pic>
+        <p:nvPicPr>
+          <p:cNvPr id="9" name="Picture 8">
+            <a:extLst>
+              <a:ext uri="{FF2B5EF4-FFF2-40B4-BE49-F238E27FC236}">
+                <a16:creationId xmlns:a16="http://schemas.microsoft.com/office/drawing/2014/main" id="{EC87A658-0C13-A05D-B717-C582D17DC36A}"/>
+              </a:ext>
+            </a:extLst>
+          </p:cNvPr>
+          <p:cNvPicPr>
+            <a:picLocks noChangeAspect="1"/>
+          </p:cNvPicPr>
+          <p:nvPr/>
+        </p:nvPicPr>
+        <p:blipFill>
           <a:blip r:embed="rId6"/>
           <a:stretch>
             <a:fillRect/>
@@ -15968,8 +15957,8 @@
         </p:blipFill>
         <p:spPr>
           <a:xfrm>
-            <a:off x="6477000" y="3070324"/>
-            <a:ext cx="1747652" cy="3710465"/>
+            <a:off x="6874982" y="395202"/>
+            <a:ext cx="1822861" cy="2427450"/>
           </a:xfrm>
           <a:prstGeom prst="rect">
             <a:avLst/>

--- a/Lecture/Data Import/Data_Import_Lecture.pptx
+++ b/Lecture/Data Import/Data_Import_Lecture.pptx
@@ -312,7 +312,7 @@
               <a:pPr>
                 <a:defRPr/>
               </a:pPr>
-              <a:t>6/27/2022</a:t>
+              <a:t>7/3/2023</a:t>
             </a:fld>
             <a:endParaRPr lang="en-US" dirty="0"/>
           </a:p>
@@ -524,7 +524,7 @@
               <a:pPr>
                 <a:defRPr/>
               </a:pPr>
-              <a:t>6/27/2022</a:t>
+              <a:t>7/3/2023</a:t>
             </a:fld>
             <a:endParaRPr lang="en-US" dirty="0"/>
           </a:p>
@@ -1043,7 +1043,7 @@
               <a:pPr>
                 <a:defRPr/>
               </a:pPr>
-              <a:t>6/27/2022</a:t>
+              <a:t>7/3/2023</a:t>
             </a:fld>
             <a:endParaRPr lang="en-US" dirty="0"/>
           </a:p>
@@ -1233,7 +1233,7 @@
               <a:pPr>
                 <a:defRPr/>
               </a:pPr>
-              <a:t>6/27/2022</a:t>
+              <a:t>7/3/2023</a:t>
             </a:fld>
             <a:endParaRPr lang="en-US" dirty="0"/>
           </a:p>
@@ -1433,7 +1433,7 @@
               <a:pPr>
                 <a:defRPr/>
               </a:pPr>
-              <a:t>6/27/2022</a:t>
+              <a:t>7/3/2023</a:t>
             </a:fld>
             <a:endParaRPr lang="en-US" dirty="0"/>
           </a:p>
@@ -1701,7 +1701,7 @@
               <a:pPr>
                 <a:defRPr/>
               </a:pPr>
-              <a:t>6/27/2022</a:t>
+              <a:t>7/3/2023</a:t>
             </a:fld>
             <a:endParaRPr lang="en-US" dirty="0">
               <a:solidFill>
@@ -1915,7 +1915,7 @@
               <a:pPr>
                 <a:defRPr/>
               </a:pPr>
-              <a:t>6/27/2022</a:t>
+              <a:t>7/3/2023</a:t>
             </a:fld>
             <a:endParaRPr lang="en-US" dirty="0">
               <a:solidFill>
@@ -2206,7 +2206,7 @@
               <a:pPr>
                 <a:defRPr/>
               </a:pPr>
-              <a:t>6/27/2022</a:t>
+              <a:t>7/3/2023</a:t>
             </a:fld>
             <a:endParaRPr lang="en-US" dirty="0">
               <a:solidFill>
@@ -2537,7 +2537,7 @@
               <a:pPr>
                 <a:defRPr/>
               </a:pPr>
-              <a:t>6/27/2022</a:t>
+              <a:t>7/3/2023</a:t>
             </a:fld>
             <a:endParaRPr lang="en-US" dirty="0">
               <a:solidFill>
@@ -3002,7 +3002,7 @@
               <a:pPr>
                 <a:defRPr/>
               </a:pPr>
-              <a:t>6/27/2022</a:t>
+              <a:t>7/3/2023</a:t>
             </a:fld>
             <a:endParaRPr lang="en-US" dirty="0">
               <a:solidFill>
@@ -3165,7 +3165,7 @@
               <a:pPr>
                 <a:defRPr/>
               </a:pPr>
-              <a:t>6/27/2022</a:t>
+              <a:t>7/3/2023</a:t>
             </a:fld>
             <a:endParaRPr lang="en-US" dirty="0">
               <a:solidFill>
@@ -3306,7 +3306,7 @@
               <a:pPr>
                 <a:defRPr/>
               </a:pPr>
-              <a:t>6/27/2022</a:t>
+              <a:t>7/3/2023</a:t>
             </a:fld>
             <a:endParaRPr lang="en-US" dirty="0">
               <a:solidFill>
@@ -3627,7 +3627,7 @@
               <a:pPr>
                 <a:defRPr/>
               </a:pPr>
-              <a:t>6/27/2022</a:t>
+              <a:t>7/3/2023</a:t>
             </a:fld>
             <a:endParaRPr lang="en-US" dirty="0">
               <a:solidFill>
@@ -3835,7 +3835,7 @@
               <a:pPr>
                 <a:defRPr/>
               </a:pPr>
-              <a:t>6/27/2022</a:t>
+              <a:t>7/3/2023</a:t>
             </a:fld>
             <a:endParaRPr lang="en-US" dirty="0"/>
           </a:p>
@@ -4118,7 +4118,7 @@
               <a:pPr>
                 <a:defRPr/>
               </a:pPr>
-              <a:t>6/27/2022</a:t>
+              <a:t>7/3/2023</a:t>
             </a:fld>
             <a:endParaRPr lang="en-US" dirty="0">
               <a:solidFill>
@@ -4332,7 +4332,7 @@
               <a:pPr>
                 <a:defRPr/>
               </a:pPr>
-              <a:t>6/27/2022</a:t>
+              <a:t>7/3/2023</a:t>
             </a:fld>
             <a:endParaRPr lang="en-US" dirty="0">
               <a:solidFill>
@@ -4556,7 +4556,7 @@
               <a:pPr>
                 <a:defRPr/>
               </a:pPr>
-              <a:t>6/27/2022</a:t>
+              <a:t>7/3/2023</a:t>
             </a:fld>
             <a:endParaRPr lang="en-US" dirty="0">
               <a:solidFill>
@@ -4766,7 +4766,7 @@
               <a:pPr>
                 <a:defRPr/>
               </a:pPr>
-              <a:t>6/27/2022</a:t>
+              <a:t>7/3/2023</a:t>
             </a:fld>
             <a:endParaRPr lang="en-US" dirty="0">
               <a:solidFill>
@@ -5043,7 +5043,7 @@
               <a:pPr>
                 <a:defRPr/>
               </a:pPr>
-              <a:t>6/27/2022</a:t>
+              <a:t>7/3/2023</a:t>
             </a:fld>
             <a:endParaRPr lang="en-US" dirty="0"/>
           </a:p>
@@ -5350,7 +5350,7 @@
               <a:pPr>
                 <a:defRPr/>
               </a:pPr>
-              <a:t>6/27/2022</a:t>
+              <a:t>7/3/2023</a:t>
             </a:fld>
             <a:endParaRPr lang="en-US" dirty="0"/>
           </a:p>
@@ -5791,7 +5791,7 @@
               <a:pPr>
                 <a:defRPr/>
               </a:pPr>
-              <a:t>6/27/2022</a:t>
+              <a:t>7/3/2023</a:t>
             </a:fld>
             <a:endParaRPr lang="en-US" dirty="0"/>
           </a:p>
@@ -5930,7 +5930,7 @@
               <a:pPr>
                 <a:defRPr/>
               </a:pPr>
-              <a:t>6/27/2022</a:t>
+              <a:t>7/3/2023</a:t>
             </a:fld>
             <a:endParaRPr lang="en-US" dirty="0"/>
           </a:p>
@@ -6047,7 +6047,7 @@
               <a:pPr>
                 <a:defRPr/>
               </a:pPr>
-              <a:t>6/27/2022</a:t>
+              <a:t>7/3/2023</a:t>
             </a:fld>
             <a:endParaRPr lang="en-US" dirty="0"/>
           </a:p>
@@ -6344,7 +6344,7 @@
               <a:pPr>
                 <a:defRPr/>
               </a:pPr>
-              <a:t>6/27/2022</a:t>
+              <a:t>7/3/2023</a:t>
             </a:fld>
             <a:endParaRPr lang="en-US" dirty="0"/>
           </a:p>
@@ -6621,7 +6621,7 @@
               <a:pPr>
                 <a:defRPr/>
               </a:pPr>
-              <a:t>6/27/2022</a:t>
+              <a:t>7/3/2023</a:t>
             </a:fld>
             <a:endParaRPr lang="en-US" dirty="0"/>
           </a:p>
@@ -6878,7 +6878,7 @@
               <a:pPr>
                 <a:defRPr/>
               </a:pPr>
-              <a:t>6/27/2022</a:t>
+              <a:t>7/3/2023</a:t>
             </a:fld>
             <a:endParaRPr lang="en-US" dirty="0"/>
           </a:p>
@@ -7588,7 +7588,7 @@
               <a:pPr>
                 <a:defRPr/>
               </a:pPr>
-              <a:t>6/27/2022</a:t>
+              <a:t>7/3/2023</a:t>
             </a:fld>
             <a:endParaRPr lang="en-US" dirty="0">
               <a:solidFill>

--- a/Lecture/Data Import/Data_Import_Lecture.pptx
+++ b/Lecture/Data Import/Data_Import_Lecture.pptx
@@ -312,7 +312,7 @@
               <a:pPr>
                 <a:defRPr/>
               </a:pPr>
-              <a:t>7/3/2023</a:t>
+              <a:t>9/19/2023</a:t>
             </a:fld>
             <a:endParaRPr lang="en-US" dirty="0"/>
           </a:p>
@@ -524,7 +524,7 @@
               <a:pPr>
                 <a:defRPr/>
               </a:pPr>
-              <a:t>7/3/2023</a:t>
+              <a:t>9/19/2023</a:t>
             </a:fld>
             <a:endParaRPr lang="en-US" dirty="0"/>
           </a:p>
@@ -1043,7 +1043,7 @@
               <a:pPr>
                 <a:defRPr/>
               </a:pPr>
-              <a:t>7/3/2023</a:t>
+              <a:t>9/19/2023</a:t>
             </a:fld>
             <a:endParaRPr lang="en-US" dirty="0"/>
           </a:p>
@@ -1233,7 +1233,7 @@
               <a:pPr>
                 <a:defRPr/>
               </a:pPr>
-              <a:t>7/3/2023</a:t>
+              <a:t>9/19/2023</a:t>
             </a:fld>
             <a:endParaRPr lang="en-US" dirty="0"/>
           </a:p>
@@ -1433,7 +1433,7 @@
               <a:pPr>
                 <a:defRPr/>
               </a:pPr>
-              <a:t>7/3/2023</a:t>
+              <a:t>9/19/2023</a:t>
             </a:fld>
             <a:endParaRPr lang="en-US" dirty="0"/>
           </a:p>
@@ -1701,7 +1701,7 @@
               <a:pPr>
                 <a:defRPr/>
               </a:pPr>
-              <a:t>7/3/2023</a:t>
+              <a:t>9/19/2023</a:t>
             </a:fld>
             <a:endParaRPr lang="en-US" dirty="0">
               <a:solidFill>
@@ -1915,7 +1915,7 @@
               <a:pPr>
                 <a:defRPr/>
               </a:pPr>
-              <a:t>7/3/2023</a:t>
+              <a:t>9/19/2023</a:t>
             </a:fld>
             <a:endParaRPr lang="en-US" dirty="0">
               <a:solidFill>
@@ -2206,7 +2206,7 @@
               <a:pPr>
                 <a:defRPr/>
               </a:pPr>
-              <a:t>7/3/2023</a:t>
+              <a:t>9/19/2023</a:t>
             </a:fld>
             <a:endParaRPr lang="en-US" dirty="0">
               <a:solidFill>
@@ -2537,7 +2537,7 @@
               <a:pPr>
                 <a:defRPr/>
               </a:pPr>
-              <a:t>7/3/2023</a:t>
+              <a:t>9/19/2023</a:t>
             </a:fld>
             <a:endParaRPr lang="en-US" dirty="0">
               <a:solidFill>
@@ -3002,7 +3002,7 @@
               <a:pPr>
                 <a:defRPr/>
               </a:pPr>
-              <a:t>7/3/2023</a:t>
+              <a:t>9/19/2023</a:t>
             </a:fld>
             <a:endParaRPr lang="en-US" dirty="0">
               <a:solidFill>
@@ -3165,7 +3165,7 @@
               <a:pPr>
                 <a:defRPr/>
               </a:pPr>
-              <a:t>7/3/2023</a:t>
+              <a:t>9/19/2023</a:t>
             </a:fld>
             <a:endParaRPr lang="en-US" dirty="0">
               <a:solidFill>
@@ -3306,7 +3306,7 @@
               <a:pPr>
                 <a:defRPr/>
               </a:pPr>
-              <a:t>7/3/2023</a:t>
+              <a:t>9/19/2023</a:t>
             </a:fld>
             <a:endParaRPr lang="en-US" dirty="0">
               <a:solidFill>
@@ -3627,7 +3627,7 @@
               <a:pPr>
                 <a:defRPr/>
               </a:pPr>
-              <a:t>7/3/2023</a:t>
+              <a:t>9/19/2023</a:t>
             </a:fld>
             <a:endParaRPr lang="en-US" dirty="0">
               <a:solidFill>
@@ -3835,7 +3835,7 @@
               <a:pPr>
                 <a:defRPr/>
               </a:pPr>
-              <a:t>7/3/2023</a:t>
+              <a:t>9/19/2023</a:t>
             </a:fld>
             <a:endParaRPr lang="en-US" dirty="0"/>
           </a:p>
@@ -4118,7 +4118,7 @@
               <a:pPr>
                 <a:defRPr/>
               </a:pPr>
-              <a:t>7/3/2023</a:t>
+              <a:t>9/19/2023</a:t>
             </a:fld>
             <a:endParaRPr lang="en-US" dirty="0">
               <a:solidFill>
@@ -4332,7 +4332,7 @@
               <a:pPr>
                 <a:defRPr/>
               </a:pPr>
-              <a:t>7/3/2023</a:t>
+              <a:t>9/19/2023</a:t>
             </a:fld>
             <a:endParaRPr lang="en-US" dirty="0">
               <a:solidFill>
@@ -4556,7 +4556,7 @@
               <a:pPr>
                 <a:defRPr/>
               </a:pPr>
-              <a:t>7/3/2023</a:t>
+              <a:t>9/19/2023</a:t>
             </a:fld>
             <a:endParaRPr lang="en-US" dirty="0">
               <a:solidFill>
@@ -4766,7 +4766,7 @@
               <a:pPr>
                 <a:defRPr/>
               </a:pPr>
-              <a:t>7/3/2023</a:t>
+              <a:t>9/19/2023</a:t>
             </a:fld>
             <a:endParaRPr lang="en-US" dirty="0">
               <a:solidFill>
@@ -5043,7 +5043,7 @@
               <a:pPr>
                 <a:defRPr/>
               </a:pPr>
-              <a:t>7/3/2023</a:t>
+              <a:t>9/19/2023</a:t>
             </a:fld>
             <a:endParaRPr lang="en-US" dirty="0"/>
           </a:p>
@@ -5350,7 +5350,7 @@
               <a:pPr>
                 <a:defRPr/>
               </a:pPr>
-              <a:t>7/3/2023</a:t>
+              <a:t>9/19/2023</a:t>
             </a:fld>
             <a:endParaRPr lang="en-US" dirty="0"/>
           </a:p>
@@ -5791,7 +5791,7 @@
               <a:pPr>
                 <a:defRPr/>
               </a:pPr>
-              <a:t>7/3/2023</a:t>
+              <a:t>9/19/2023</a:t>
             </a:fld>
             <a:endParaRPr lang="en-US" dirty="0"/>
           </a:p>
@@ -5930,7 +5930,7 @@
               <a:pPr>
                 <a:defRPr/>
               </a:pPr>
-              <a:t>7/3/2023</a:t>
+              <a:t>9/19/2023</a:t>
             </a:fld>
             <a:endParaRPr lang="en-US" dirty="0"/>
           </a:p>
@@ -6047,7 +6047,7 @@
               <a:pPr>
                 <a:defRPr/>
               </a:pPr>
-              <a:t>7/3/2023</a:t>
+              <a:t>9/19/2023</a:t>
             </a:fld>
             <a:endParaRPr lang="en-US" dirty="0"/>
           </a:p>
@@ -6344,7 +6344,7 @@
               <a:pPr>
                 <a:defRPr/>
               </a:pPr>
-              <a:t>7/3/2023</a:t>
+              <a:t>9/19/2023</a:t>
             </a:fld>
             <a:endParaRPr lang="en-US" dirty="0"/>
           </a:p>
@@ -6621,7 +6621,7 @@
               <a:pPr>
                 <a:defRPr/>
               </a:pPr>
-              <a:t>7/3/2023</a:t>
+              <a:t>9/19/2023</a:t>
             </a:fld>
             <a:endParaRPr lang="en-US" dirty="0"/>
           </a:p>
@@ -6878,7 +6878,7 @@
               <a:pPr>
                 <a:defRPr/>
               </a:pPr>
-              <a:t>7/3/2023</a:t>
+              <a:t>9/19/2023</a:t>
             </a:fld>
             <a:endParaRPr lang="en-US" dirty="0"/>
           </a:p>
@@ -7588,7 +7588,7 @@
               <a:pPr>
                 <a:defRPr/>
               </a:pPr>
-              <a:t>7/3/2023</a:t>
+              <a:t>9/19/2023</a:t>
             </a:fld>
             <a:endParaRPr lang="en-US" dirty="0">
               <a:solidFill>
@@ -14579,10 +14579,10 @@
       </p:sp>
       <p:pic>
         <p:nvPicPr>
-          <p:cNvPr id="3" name="Picture 2">
+          <p:cNvPr id="11" name="Picture 10">
             <a:extLst>
               <a:ext uri="{FF2B5EF4-FFF2-40B4-BE49-F238E27FC236}">
-                <a16:creationId xmlns:a16="http://schemas.microsoft.com/office/drawing/2014/main" id="{945B352F-121D-4BDA-9A5A-2840720821A1}"/>
+                <a16:creationId xmlns:a16="http://schemas.microsoft.com/office/drawing/2014/main" id="{FBBB2043-4987-432E-B661-AB3CBB122D48}"/>
               </a:ext>
             </a:extLst>
           </p:cNvPr>
@@ -14599,8 +14599,8 @@
         </p:blipFill>
         <p:spPr>
           <a:xfrm>
-            <a:off x="3665683" y="1910039"/>
-            <a:ext cx="3168660" cy="1752600"/>
+            <a:off x="4044616" y="3886200"/>
+            <a:ext cx="4487717" cy="2723110"/>
           </a:xfrm>
           <a:prstGeom prst="rect">
             <a:avLst/>
@@ -14628,10 +14628,10 @@
       </p:pic>
       <p:pic>
         <p:nvPicPr>
-          <p:cNvPr id="5" name="Picture 4">
+          <p:cNvPr id="7" name="Picture 6">
             <a:extLst>
               <a:ext uri="{FF2B5EF4-FFF2-40B4-BE49-F238E27FC236}">
-                <a16:creationId xmlns:a16="http://schemas.microsoft.com/office/drawing/2014/main" id="{605962C5-2288-4C03-B1D3-0101C8E5DC21}"/>
+                <a16:creationId xmlns:a16="http://schemas.microsoft.com/office/drawing/2014/main" id="{C2B57CC6-00E5-596E-0AB0-2FE832DED10A}"/>
               </a:ext>
             </a:extLst>
           </p:cNvPr>
@@ -14648,39 +14648,25 @@
         </p:blipFill>
         <p:spPr>
           <a:xfrm>
-            <a:off x="6934200" y="1910039"/>
-            <a:ext cx="2033590" cy="1119189"/>
+            <a:off x="3665683" y="1919992"/>
+            <a:ext cx="2971800" cy="1561551"/>
           </a:xfrm>
           <a:prstGeom prst="rect">
             <a:avLst/>
           </a:prstGeom>
-          <a:ln>
+          <a:ln w="28575">
             <a:solidFill>
               <a:srgbClr val="404040"/>
             </a:solidFill>
           </a:ln>
         </p:spPr>
-        <p:style>
-          <a:lnRef idx="2">
-            <a:schemeClr val="dk1"/>
-          </a:lnRef>
-          <a:fillRef idx="1">
-            <a:schemeClr val="lt1"/>
-          </a:fillRef>
-          <a:effectRef idx="0">
-            <a:schemeClr val="dk1"/>
-          </a:effectRef>
-          <a:fontRef idx="minor">
-            <a:schemeClr val="dk1"/>
-          </a:fontRef>
-        </p:style>
       </p:pic>
       <p:pic>
         <p:nvPicPr>
-          <p:cNvPr id="11" name="Picture 10">
+          <p:cNvPr id="10" name="Picture 9">
             <a:extLst>
               <a:ext uri="{FF2B5EF4-FFF2-40B4-BE49-F238E27FC236}">
-                <a16:creationId xmlns:a16="http://schemas.microsoft.com/office/drawing/2014/main" id="{FBBB2043-4987-432E-B661-AB3CBB122D48}"/>
+                <a16:creationId xmlns:a16="http://schemas.microsoft.com/office/drawing/2014/main" id="{F887512A-7A98-CF9F-E502-6E01878ABF43}"/>
               </a:ext>
             </a:extLst>
           </p:cNvPr>
@@ -14697,32 +14683,18 @@
         </p:blipFill>
         <p:spPr>
           <a:xfrm>
-            <a:off x="4044616" y="3886200"/>
-            <a:ext cx="4487717" cy="2723110"/>
+            <a:off x="7010400" y="2173093"/>
+            <a:ext cx="1704975" cy="1007186"/>
           </a:xfrm>
           <a:prstGeom prst="rect">
             <a:avLst/>
           </a:prstGeom>
-          <a:ln>
+          <a:ln w="28575">
             <a:solidFill>
               <a:srgbClr val="404040"/>
             </a:solidFill>
           </a:ln>
         </p:spPr>
-        <p:style>
-          <a:lnRef idx="2">
-            <a:schemeClr val="dk1"/>
-          </a:lnRef>
-          <a:fillRef idx="1">
-            <a:schemeClr val="lt1"/>
-          </a:fillRef>
-          <a:effectRef idx="0">
-            <a:schemeClr val="dk1"/>
-          </a:effectRef>
-          <a:fontRef idx="minor">
-            <a:schemeClr val="dk1"/>
-          </a:fontRef>
-        </p:style>
       </p:pic>
     </p:spTree>
     <p:custDataLst>
@@ -14989,10 +14961,10 @@
       </p:sp>
       <p:pic>
         <p:nvPicPr>
-          <p:cNvPr id="13" name="Picture 12">
+          <p:cNvPr id="5" name="Picture 4">
             <a:extLst>
               <a:ext uri="{FF2B5EF4-FFF2-40B4-BE49-F238E27FC236}">
-                <a16:creationId xmlns:a16="http://schemas.microsoft.com/office/drawing/2014/main" id="{502A469B-86EB-4308-BF9B-625A4185E7FD}"/>
+                <a16:creationId xmlns:a16="http://schemas.microsoft.com/office/drawing/2014/main" id="{ECB8FA2B-3E2D-9A42-266F-B1C26655B1EC}"/>
               </a:ext>
             </a:extLst>
           </p:cNvPr>
@@ -15009,39 +14981,25 @@
         </p:blipFill>
         <p:spPr>
           <a:xfrm>
-            <a:off x="3581400" y="1127190"/>
-            <a:ext cx="5472038" cy="1311210"/>
+            <a:off x="3643456" y="1219200"/>
+            <a:ext cx="4799079" cy="3048000"/>
           </a:xfrm>
           <a:prstGeom prst="rect">
             <a:avLst/>
           </a:prstGeom>
-          <a:ln>
+          <a:ln w="28575">
             <a:solidFill>
               <a:srgbClr val="404040"/>
             </a:solidFill>
           </a:ln>
         </p:spPr>
-        <p:style>
-          <a:lnRef idx="2">
-            <a:schemeClr val="dk1"/>
-          </a:lnRef>
-          <a:fillRef idx="1">
-            <a:schemeClr val="lt1"/>
-          </a:fillRef>
-          <a:effectRef idx="0">
-            <a:schemeClr val="dk1"/>
-          </a:effectRef>
-          <a:fontRef idx="minor">
-            <a:schemeClr val="dk1"/>
-          </a:fontRef>
-        </p:style>
       </p:pic>
       <p:pic>
         <p:nvPicPr>
-          <p:cNvPr id="18" name="Picture 17">
+          <p:cNvPr id="7" name="Picture 6">
             <a:extLst>
               <a:ext uri="{FF2B5EF4-FFF2-40B4-BE49-F238E27FC236}">
-                <a16:creationId xmlns:a16="http://schemas.microsoft.com/office/drawing/2014/main" id="{5FC87E91-C4F5-4201-AD93-5EAF9161148E}"/>
+                <a16:creationId xmlns:a16="http://schemas.microsoft.com/office/drawing/2014/main" id="{22A4947A-A60D-423B-572B-6C14CD01B3D0}"/>
               </a:ext>
             </a:extLst>
           </p:cNvPr>
@@ -15058,32 +15016,18 @@
         </p:blipFill>
         <p:spPr>
           <a:xfrm>
-            <a:off x="3581400" y="2590800"/>
-            <a:ext cx="5472038" cy="2180095"/>
+            <a:off x="3060725" y="4495800"/>
+            <a:ext cx="5929456" cy="799750"/>
           </a:xfrm>
           <a:prstGeom prst="rect">
             <a:avLst/>
           </a:prstGeom>
-          <a:ln>
+          <a:ln w="28575">
             <a:solidFill>
               <a:srgbClr val="404040"/>
             </a:solidFill>
           </a:ln>
         </p:spPr>
-        <p:style>
-          <a:lnRef idx="2">
-            <a:schemeClr val="dk1"/>
-          </a:lnRef>
-          <a:fillRef idx="1">
-            <a:schemeClr val="lt1"/>
-          </a:fillRef>
-          <a:effectRef idx="0">
-            <a:schemeClr val="dk1"/>
-          </a:effectRef>
-          <a:fontRef idx="minor">
-            <a:schemeClr val="dk1"/>
-          </a:fontRef>
-        </p:style>
       </p:pic>
     </p:spTree>
     <p:custDataLst>
@@ -15365,10 +15309,10 @@
       </p:sp>
       <p:pic>
         <p:nvPicPr>
-          <p:cNvPr id="3" name="Picture 2">
+          <p:cNvPr id="9" name="Picture 8">
             <a:extLst>
               <a:ext uri="{FF2B5EF4-FFF2-40B4-BE49-F238E27FC236}">
-                <a16:creationId xmlns:a16="http://schemas.microsoft.com/office/drawing/2014/main" id="{C2A98F34-5856-4307-AE7F-82CCF3B479EA}"/>
+                <a16:creationId xmlns:a16="http://schemas.microsoft.com/office/drawing/2014/main" id="{8B5A4612-F879-1740-76A1-EE286543F7C9}"/>
               </a:ext>
             </a:extLst>
           </p:cNvPr>
@@ -15385,39 +15329,25 @@
         </p:blipFill>
         <p:spPr>
           <a:xfrm>
-            <a:off x="3578016" y="2513014"/>
-            <a:ext cx="5475422" cy="1847319"/>
+            <a:off x="3657600" y="1631182"/>
+            <a:ext cx="5365687" cy="542410"/>
           </a:xfrm>
           <a:prstGeom prst="rect">
             <a:avLst/>
           </a:prstGeom>
-          <a:ln>
+          <a:ln w="28575">
             <a:solidFill>
               <a:srgbClr val="404040"/>
             </a:solidFill>
           </a:ln>
         </p:spPr>
-        <p:style>
-          <a:lnRef idx="2">
-            <a:schemeClr val="dk1"/>
-          </a:lnRef>
-          <a:fillRef idx="1">
-            <a:schemeClr val="lt1"/>
-          </a:fillRef>
-          <a:effectRef idx="0">
-            <a:schemeClr val="dk1"/>
-          </a:effectRef>
-          <a:fontRef idx="minor">
-            <a:schemeClr val="dk1"/>
-          </a:fontRef>
-        </p:style>
       </p:pic>
       <p:pic>
         <p:nvPicPr>
-          <p:cNvPr id="5" name="Picture 4">
+          <p:cNvPr id="11" name="Picture 10">
             <a:extLst>
               <a:ext uri="{FF2B5EF4-FFF2-40B4-BE49-F238E27FC236}">
-                <a16:creationId xmlns:a16="http://schemas.microsoft.com/office/drawing/2014/main" id="{A62B20CB-DDD4-4452-B109-90E913BF5E56}"/>
+                <a16:creationId xmlns:a16="http://schemas.microsoft.com/office/drawing/2014/main" id="{2F312C71-0133-CAA4-DD7A-2E8C8CF2FB60}"/>
               </a:ext>
             </a:extLst>
           </p:cNvPr>
@@ -15434,39 +15364,25 @@
         </p:blipFill>
         <p:spPr>
           <a:xfrm>
-            <a:off x="3580022" y="1439432"/>
-            <a:ext cx="5475422" cy="932671"/>
+            <a:off x="3657600" y="2330310"/>
+            <a:ext cx="4295775" cy="2295525"/>
           </a:xfrm>
           <a:prstGeom prst="rect">
             <a:avLst/>
           </a:prstGeom>
-          <a:ln>
+          <a:ln w="28575">
             <a:solidFill>
               <a:srgbClr val="404040"/>
             </a:solidFill>
           </a:ln>
         </p:spPr>
-        <p:style>
-          <a:lnRef idx="2">
-            <a:schemeClr val="dk1"/>
-          </a:lnRef>
-          <a:fillRef idx="1">
-            <a:schemeClr val="lt1"/>
-          </a:fillRef>
-          <a:effectRef idx="0">
-            <a:schemeClr val="dk1"/>
-          </a:effectRef>
-          <a:fontRef idx="minor">
-            <a:schemeClr val="dk1"/>
-          </a:fontRef>
-        </p:style>
       </p:pic>
       <p:pic>
         <p:nvPicPr>
-          <p:cNvPr id="6" name="Picture 5">
+          <p:cNvPr id="13" name="Picture 12">
             <a:extLst>
               <a:ext uri="{FF2B5EF4-FFF2-40B4-BE49-F238E27FC236}">
-                <a16:creationId xmlns:a16="http://schemas.microsoft.com/office/drawing/2014/main" id="{67BD692B-B49C-4415-93A3-E11171BEA9E8}"/>
+                <a16:creationId xmlns:a16="http://schemas.microsoft.com/office/drawing/2014/main" id="{2DDF8D4E-69DB-6FA6-0138-A0ACB68C48E7}"/>
               </a:ext>
             </a:extLst>
           </p:cNvPr>
@@ -15483,32 +15399,18 @@
         </p:blipFill>
         <p:spPr>
           <a:xfrm>
-            <a:off x="3578016" y="4501244"/>
-            <a:ext cx="2814638" cy="2190750"/>
+            <a:off x="3657600" y="4820178"/>
+            <a:ext cx="3676650" cy="1704975"/>
           </a:xfrm>
           <a:prstGeom prst="rect">
             <a:avLst/>
           </a:prstGeom>
-          <a:ln>
+          <a:ln w="28575">
             <a:solidFill>
               <a:srgbClr val="404040"/>
             </a:solidFill>
           </a:ln>
         </p:spPr>
-        <p:style>
-          <a:lnRef idx="2">
-            <a:schemeClr val="dk1"/>
-          </a:lnRef>
-          <a:fillRef idx="1">
-            <a:schemeClr val="lt1"/>
-          </a:fillRef>
-          <a:effectRef idx="0">
-            <a:schemeClr val="dk1"/>
-          </a:effectRef>
-          <a:fontRef idx="minor">
-            <a:schemeClr val="dk1"/>
-          </a:fontRef>
-        </p:style>
       </p:pic>
     </p:spTree>
     <p:custDataLst>

--- a/Lecture/Data Import/Data_Import_Lecture.pptx
+++ b/Lecture/Data Import/Data_Import_Lecture.pptx
@@ -312,7 +312,7 @@
               <a:pPr>
                 <a:defRPr/>
               </a:pPr>
-              <a:t>9/19/2023</a:t>
+              <a:t>2/3/2025</a:t>
             </a:fld>
             <a:endParaRPr lang="en-US" dirty="0"/>
           </a:p>
@@ -524,7 +524,7 @@
               <a:pPr>
                 <a:defRPr/>
               </a:pPr>
-              <a:t>9/19/2023</a:t>
+              <a:t>2/3/2025</a:t>
             </a:fld>
             <a:endParaRPr lang="en-US" dirty="0"/>
           </a:p>
@@ -1043,7 +1043,7 @@
               <a:pPr>
                 <a:defRPr/>
               </a:pPr>
-              <a:t>9/19/2023</a:t>
+              <a:t>2/3/2025</a:t>
             </a:fld>
             <a:endParaRPr lang="en-US" dirty="0"/>
           </a:p>
@@ -1233,7 +1233,7 @@
               <a:pPr>
                 <a:defRPr/>
               </a:pPr>
-              <a:t>9/19/2023</a:t>
+              <a:t>2/3/2025</a:t>
             </a:fld>
             <a:endParaRPr lang="en-US" dirty="0"/>
           </a:p>
@@ -1433,7 +1433,7 @@
               <a:pPr>
                 <a:defRPr/>
               </a:pPr>
-              <a:t>9/19/2023</a:t>
+              <a:t>2/3/2025</a:t>
             </a:fld>
             <a:endParaRPr lang="en-US" dirty="0"/>
           </a:p>
@@ -1701,7 +1701,7 @@
               <a:pPr>
                 <a:defRPr/>
               </a:pPr>
-              <a:t>9/19/2023</a:t>
+              <a:t>2/3/2025</a:t>
             </a:fld>
             <a:endParaRPr lang="en-US" dirty="0">
               <a:solidFill>
@@ -1915,7 +1915,7 @@
               <a:pPr>
                 <a:defRPr/>
               </a:pPr>
-              <a:t>9/19/2023</a:t>
+              <a:t>2/3/2025</a:t>
             </a:fld>
             <a:endParaRPr lang="en-US" dirty="0">
               <a:solidFill>
@@ -2206,7 +2206,7 @@
               <a:pPr>
                 <a:defRPr/>
               </a:pPr>
-              <a:t>9/19/2023</a:t>
+              <a:t>2/3/2025</a:t>
             </a:fld>
             <a:endParaRPr lang="en-US" dirty="0">
               <a:solidFill>
@@ -2537,7 +2537,7 @@
               <a:pPr>
                 <a:defRPr/>
               </a:pPr>
-              <a:t>9/19/2023</a:t>
+              <a:t>2/3/2025</a:t>
             </a:fld>
             <a:endParaRPr lang="en-US" dirty="0">
               <a:solidFill>
@@ -3002,7 +3002,7 @@
               <a:pPr>
                 <a:defRPr/>
               </a:pPr>
-              <a:t>9/19/2023</a:t>
+              <a:t>2/3/2025</a:t>
             </a:fld>
             <a:endParaRPr lang="en-US" dirty="0">
               <a:solidFill>
@@ -3165,7 +3165,7 @@
               <a:pPr>
                 <a:defRPr/>
               </a:pPr>
-              <a:t>9/19/2023</a:t>
+              <a:t>2/3/2025</a:t>
             </a:fld>
             <a:endParaRPr lang="en-US" dirty="0">
               <a:solidFill>
@@ -3306,7 +3306,7 @@
               <a:pPr>
                 <a:defRPr/>
               </a:pPr>
-              <a:t>9/19/2023</a:t>
+              <a:t>2/3/2025</a:t>
             </a:fld>
             <a:endParaRPr lang="en-US" dirty="0">
               <a:solidFill>
@@ -3627,7 +3627,7 @@
               <a:pPr>
                 <a:defRPr/>
               </a:pPr>
-              <a:t>9/19/2023</a:t>
+              <a:t>2/3/2025</a:t>
             </a:fld>
             <a:endParaRPr lang="en-US" dirty="0">
               <a:solidFill>
@@ -3835,7 +3835,7 @@
               <a:pPr>
                 <a:defRPr/>
               </a:pPr>
-              <a:t>9/19/2023</a:t>
+              <a:t>2/3/2025</a:t>
             </a:fld>
             <a:endParaRPr lang="en-US" dirty="0"/>
           </a:p>
@@ -4118,7 +4118,7 @@
               <a:pPr>
                 <a:defRPr/>
               </a:pPr>
-              <a:t>9/19/2023</a:t>
+              <a:t>2/3/2025</a:t>
             </a:fld>
             <a:endParaRPr lang="en-US" dirty="0">
               <a:solidFill>
@@ -4332,7 +4332,7 @@
               <a:pPr>
                 <a:defRPr/>
               </a:pPr>
-              <a:t>9/19/2023</a:t>
+              <a:t>2/3/2025</a:t>
             </a:fld>
             <a:endParaRPr lang="en-US" dirty="0">
               <a:solidFill>
@@ -4556,7 +4556,7 @@
               <a:pPr>
                 <a:defRPr/>
               </a:pPr>
-              <a:t>9/19/2023</a:t>
+              <a:t>2/3/2025</a:t>
             </a:fld>
             <a:endParaRPr lang="en-US" dirty="0">
               <a:solidFill>
@@ -4766,7 +4766,7 @@
               <a:pPr>
                 <a:defRPr/>
               </a:pPr>
-              <a:t>9/19/2023</a:t>
+              <a:t>2/3/2025</a:t>
             </a:fld>
             <a:endParaRPr lang="en-US" dirty="0">
               <a:solidFill>
@@ -5043,7 +5043,7 @@
               <a:pPr>
                 <a:defRPr/>
               </a:pPr>
-              <a:t>9/19/2023</a:t>
+              <a:t>2/3/2025</a:t>
             </a:fld>
             <a:endParaRPr lang="en-US" dirty="0"/>
           </a:p>
@@ -5350,7 +5350,7 @@
               <a:pPr>
                 <a:defRPr/>
               </a:pPr>
-              <a:t>9/19/2023</a:t>
+              <a:t>2/3/2025</a:t>
             </a:fld>
             <a:endParaRPr lang="en-US" dirty="0"/>
           </a:p>
@@ -5791,7 +5791,7 @@
               <a:pPr>
                 <a:defRPr/>
               </a:pPr>
-              <a:t>9/19/2023</a:t>
+              <a:t>2/3/2025</a:t>
             </a:fld>
             <a:endParaRPr lang="en-US" dirty="0"/>
           </a:p>
@@ -5930,7 +5930,7 @@
               <a:pPr>
                 <a:defRPr/>
               </a:pPr>
-              <a:t>9/19/2023</a:t>
+              <a:t>2/3/2025</a:t>
             </a:fld>
             <a:endParaRPr lang="en-US" dirty="0"/>
           </a:p>
@@ -6047,7 +6047,7 @@
               <a:pPr>
                 <a:defRPr/>
               </a:pPr>
-              <a:t>9/19/2023</a:t>
+              <a:t>2/3/2025</a:t>
             </a:fld>
             <a:endParaRPr lang="en-US" dirty="0"/>
           </a:p>
@@ -6344,7 +6344,7 @@
               <a:pPr>
                 <a:defRPr/>
               </a:pPr>
-              <a:t>9/19/2023</a:t>
+              <a:t>2/3/2025</a:t>
             </a:fld>
             <a:endParaRPr lang="en-US" dirty="0"/>
           </a:p>
@@ -6621,7 +6621,7 @@
               <a:pPr>
                 <a:defRPr/>
               </a:pPr>
-              <a:t>9/19/2023</a:t>
+              <a:t>2/3/2025</a:t>
             </a:fld>
             <a:endParaRPr lang="en-US" dirty="0"/>
           </a:p>
@@ -6878,7 +6878,7 @@
               <a:pPr>
                 <a:defRPr/>
               </a:pPr>
-              <a:t>9/19/2023</a:t>
+              <a:t>2/3/2025</a:t>
             </a:fld>
             <a:endParaRPr lang="en-US" dirty="0"/>
           </a:p>
@@ -7588,7 +7588,7 @@
               <a:pPr>
                 <a:defRPr/>
               </a:pPr>
-              <a:t>9/19/2023</a:t>
+              <a:t>2/3/2025</a:t>
             </a:fld>
             <a:endParaRPr lang="en-US" dirty="0">
               <a:solidFill>
@@ -15767,7 +15767,7 @@
           <a:prstGeom prst="rect">
             <a:avLst/>
           </a:prstGeom>
-          <a:ln>
+          <a:ln w="28575">
             <a:solidFill>
               <a:srgbClr val="404040"/>
             </a:solidFill>
@@ -15810,13 +15810,13 @@
         </p:blipFill>
         <p:spPr>
           <a:xfrm>
-            <a:off x="6868952" y="2910649"/>
-            <a:ext cx="1822860" cy="3870140"/>
+            <a:off x="6754192" y="2673159"/>
+            <a:ext cx="1937620" cy="4113789"/>
           </a:xfrm>
           <a:prstGeom prst="rect">
             <a:avLst/>
           </a:prstGeom>
-          <a:ln>
+          <a:ln w="28575">
             <a:solidFill>
               <a:srgbClr val="404040"/>
             </a:solidFill>
@@ -15839,10 +15839,10 @@
       </p:pic>
       <p:pic>
         <p:nvPicPr>
-          <p:cNvPr id="9" name="Picture 8">
+          <p:cNvPr id="7" name="Picture 6">
             <a:extLst>
               <a:ext uri="{FF2B5EF4-FFF2-40B4-BE49-F238E27FC236}">
-                <a16:creationId xmlns:a16="http://schemas.microsoft.com/office/drawing/2014/main" id="{EC87A658-0C13-A05D-B717-C582D17DC36A}"/>
+                <a16:creationId xmlns:a16="http://schemas.microsoft.com/office/drawing/2014/main" id="{7D200BA9-9799-561C-2EAE-A16A0153409A}"/>
               </a:ext>
             </a:extLst>
           </p:cNvPr>
@@ -15859,32 +15859,18 @@
         </p:blipFill>
         <p:spPr>
           <a:xfrm>
-            <a:off x="6874982" y="395202"/>
-            <a:ext cx="1822861" cy="2427450"/>
+            <a:off x="7021194" y="228600"/>
+            <a:ext cx="1540636" cy="2284989"/>
           </a:xfrm>
           <a:prstGeom prst="rect">
             <a:avLst/>
           </a:prstGeom>
-          <a:ln>
+          <a:ln w="28575">
             <a:solidFill>
               <a:srgbClr val="404040"/>
             </a:solidFill>
           </a:ln>
         </p:spPr>
-        <p:style>
-          <a:lnRef idx="2">
-            <a:schemeClr val="dk1"/>
-          </a:lnRef>
-          <a:fillRef idx="1">
-            <a:schemeClr val="lt1"/>
-          </a:fillRef>
-          <a:effectRef idx="0">
-            <a:schemeClr val="dk1"/>
-          </a:effectRef>
-          <a:fontRef idx="minor">
-            <a:schemeClr val="dk1"/>
-          </a:fontRef>
-        </p:style>
       </p:pic>
     </p:spTree>
     <p:custDataLst>
